--- a/GK_Khanh_Nam_Duy.pptx
+++ b/GK_Khanh_Nam_Duy.pptx
@@ -5,7 +5,7 @@
     <p:sldMasterId id="2147483703" r:id="rId1"/>
   </p:sldMasterIdLst>
   <p:notesMasterIdLst>
-    <p:notesMasterId r:id="rId23"/>
+    <p:notesMasterId r:id="rId22"/>
   </p:notesMasterIdLst>
   <p:sldIdLst>
     <p:sldId id="256" r:id="rId2"/>
@@ -21,49 +21,48 @@
     <p:sldId id="351" r:id="rId12"/>
     <p:sldId id="352" r:id="rId13"/>
     <p:sldId id="262" r:id="rId14"/>
-    <p:sldId id="353" r:id="rId15"/>
-    <p:sldId id="354" r:id="rId16"/>
-    <p:sldId id="355" r:id="rId17"/>
-    <p:sldId id="359" r:id="rId18"/>
-    <p:sldId id="356" r:id="rId19"/>
-    <p:sldId id="357" r:id="rId20"/>
-    <p:sldId id="358" r:id="rId21"/>
-    <p:sldId id="360" r:id="rId22"/>
+    <p:sldId id="354" r:id="rId15"/>
+    <p:sldId id="355" r:id="rId16"/>
+    <p:sldId id="359" r:id="rId17"/>
+    <p:sldId id="356" r:id="rId18"/>
+    <p:sldId id="357" r:id="rId19"/>
+    <p:sldId id="358" r:id="rId20"/>
+    <p:sldId id="360" r:id="rId21"/>
   </p:sldIdLst>
   <p:sldSz cx="9144000" cy="5143500" type="screen16x9"/>
   <p:notesSz cx="6858000" cy="9144000"/>
   <p:embeddedFontLst>
     <p:embeddedFont>
       <p:font typeface="Crimson Text" panose="020B0604020202020204" charset="0"/>
-      <p:regular r:id="rId24"/>
-      <p:bold r:id="rId25"/>
-      <p:italic r:id="rId26"/>
-      <p:boldItalic r:id="rId27"/>
+      <p:regular r:id="rId23"/>
+      <p:bold r:id="rId24"/>
+      <p:italic r:id="rId25"/>
+      <p:boldItalic r:id="rId26"/>
     </p:embeddedFont>
     <p:embeddedFont>
       <p:font typeface="Lato" panose="020F0502020204030203" pitchFamily="34" charset="0"/>
-      <p:regular r:id="rId28"/>
-      <p:bold r:id="rId29"/>
-      <p:italic r:id="rId30"/>
-      <p:boldItalic r:id="rId31"/>
+      <p:regular r:id="rId27"/>
+      <p:bold r:id="rId28"/>
+      <p:italic r:id="rId29"/>
+      <p:boldItalic r:id="rId30"/>
     </p:embeddedFont>
     <p:embeddedFont>
       <p:font typeface="Montserrat" panose="00000500000000000000" pitchFamily="2" charset="-93"/>
-      <p:regular r:id="rId32"/>
-      <p:bold r:id="rId33"/>
-      <p:italic r:id="rId34"/>
-      <p:boldItalic r:id="rId35"/>
+      <p:regular r:id="rId31"/>
+      <p:bold r:id="rId32"/>
+      <p:italic r:id="rId33"/>
+      <p:boldItalic r:id="rId34"/>
     </p:embeddedFont>
     <p:embeddedFont>
       <p:font typeface="Open Sans" panose="020B0606030504020204" pitchFamily="34" charset="0"/>
-      <p:regular r:id="rId36"/>
-      <p:bold r:id="rId37"/>
-      <p:italic r:id="rId38"/>
-      <p:boldItalic r:id="rId39"/>
+      <p:regular r:id="rId35"/>
+      <p:bold r:id="rId36"/>
+      <p:italic r:id="rId37"/>
+      <p:boldItalic r:id="rId38"/>
     </p:embeddedFont>
     <p:embeddedFont>
       <p:font typeface="Vidaloka" panose="020B0604020202020204" charset="0"/>
-      <p:regular r:id="rId40"/>
+      <p:regular r:id="rId39"/>
     </p:embeddedFont>
   </p:embeddedFontLst>
   <p:defaultTextStyle>
@@ -1378,7 +1377,7 @@
     </p:spTree>
     <p:extLst>
       <p:ext uri="{BB962C8B-B14F-4D97-AF65-F5344CB8AC3E}">
-        <p14:creationId xmlns:p14="http://schemas.microsoft.com/office/powerpoint/2010/main" val="3462108745"/>
+        <p14:creationId xmlns:p14="http://schemas.microsoft.com/office/powerpoint/2010/main" val="1050071417"/>
       </p:ext>
     </p:extLst>
   </p:cSld>
@@ -1393,7 +1392,7 @@
   <p:cSld>
     <p:spTree>
       <p:nvGrpSpPr>
-        <p:cNvPr id="1" name="Shape 568"/>
+        <p:cNvPr id="1" name="Shape 542"/>
         <p:cNvGrpSpPr/>
         <p:nvPr/>
       </p:nvGrpSpPr>
@@ -1407,7 +1406,7 @@
       </p:grpSpPr>
       <p:sp>
         <p:nvSpPr>
-          <p:cNvPr id="569" name="Google Shape;569;gcf7a3c503a_0_5:notes"/>
+          <p:cNvPr id="543" name="Google Shape;543;gcd8a80d6bc_0_0:notes"/>
           <p:cNvSpPr>
             <a:spLocks noGrp="1" noRot="1" noChangeAspect="1"/>
           </p:cNvSpPr>
@@ -1448,7 +1447,7 @@
       </p:sp>
       <p:sp>
         <p:nvSpPr>
-          <p:cNvPr id="570" name="Google Shape;570;gcf7a3c503a_0_5:notes"/>
+          <p:cNvPr id="544" name="Google Shape;544;gcd8a80d6bc_0_0:notes"/>
           <p:cNvSpPr txBox="1">
             <a:spLocks noGrp="1"/>
           </p:cNvSpPr>
@@ -1487,7 +1486,7 @@
     </p:spTree>
     <p:extLst>
       <p:ext uri="{BB962C8B-B14F-4D97-AF65-F5344CB8AC3E}">
-        <p14:creationId xmlns:p14="http://schemas.microsoft.com/office/powerpoint/2010/main" val="1050071417"/>
+        <p14:creationId xmlns:p14="http://schemas.microsoft.com/office/powerpoint/2010/main" val="1537611200"/>
       </p:ext>
     </p:extLst>
   </p:cSld>
@@ -1596,7 +1595,7 @@
     </p:spTree>
     <p:extLst>
       <p:ext uri="{BB962C8B-B14F-4D97-AF65-F5344CB8AC3E}">
-        <p14:creationId xmlns:p14="http://schemas.microsoft.com/office/powerpoint/2010/main" val="1537611200"/>
+        <p14:creationId xmlns:p14="http://schemas.microsoft.com/office/powerpoint/2010/main" val="2105753870"/>
       </p:ext>
     </p:extLst>
   </p:cSld>
@@ -1705,7 +1704,7 @@
     </p:spTree>
     <p:extLst>
       <p:ext uri="{BB962C8B-B14F-4D97-AF65-F5344CB8AC3E}">
-        <p14:creationId xmlns:p14="http://schemas.microsoft.com/office/powerpoint/2010/main" val="2105753870"/>
+        <p14:creationId xmlns:p14="http://schemas.microsoft.com/office/powerpoint/2010/main" val="2185078387"/>
       </p:ext>
     </p:extLst>
   </p:cSld>
@@ -1814,7 +1813,7 @@
     </p:spTree>
     <p:extLst>
       <p:ext uri="{BB962C8B-B14F-4D97-AF65-F5344CB8AC3E}">
-        <p14:creationId xmlns:p14="http://schemas.microsoft.com/office/powerpoint/2010/main" val="2185078387"/>
+        <p14:creationId xmlns:p14="http://schemas.microsoft.com/office/powerpoint/2010/main" val="929786148"/>
       </p:ext>
     </p:extLst>
   </p:cSld>
@@ -1923,7 +1922,7 @@
     </p:spTree>
     <p:extLst>
       <p:ext uri="{BB962C8B-B14F-4D97-AF65-F5344CB8AC3E}">
-        <p14:creationId xmlns:p14="http://schemas.microsoft.com/office/powerpoint/2010/main" val="929786148"/>
+        <p14:creationId xmlns:p14="http://schemas.microsoft.com/office/powerpoint/2010/main" val="3510834531"/>
       </p:ext>
     </p:extLst>
   </p:cSld>
@@ -2038,115 +2037,6 @@
 </file>
 
 <file path=ppt/notesSlides/notesSlide20.xml><?xml version="1.0" encoding="utf-8"?>
-<p:notes xmlns:a="http://schemas.openxmlformats.org/drawingml/2006/main" xmlns:r="http://schemas.openxmlformats.org/officeDocument/2006/relationships" xmlns:p="http://schemas.openxmlformats.org/presentationml/2006/main" showMasterSp="0" showMasterPhAnim="0">
-  <p:cSld>
-    <p:spTree>
-      <p:nvGrpSpPr>
-        <p:cNvPr id="1" name="Shape 542"/>
-        <p:cNvGrpSpPr/>
-        <p:nvPr/>
-      </p:nvGrpSpPr>
-      <p:grpSpPr>
-        <a:xfrm>
-          <a:off x="0" y="0"/>
-          <a:ext cx="0" cy="0"/>
-          <a:chOff x="0" y="0"/>
-          <a:chExt cx="0" cy="0"/>
-        </a:xfrm>
-      </p:grpSpPr>
-      <p:sp>
-        <p:nvSpPr>
-          <p:cNvPr id="543" name="Google Shape;543;gcd8a80d6bc_0_0:notes"/>
-          <p:cNvSpPr>
-            <a:spLocks noGrp="1" noRot="1" noChangeAspect="1"/>
-          </p:cNvSpPr>
-          <p:nvPr>
-            <p:ph type="sldImg" idx="2"/>
-          </p:nvPr>
-        </p:nvSpPr>
-        <p:spPr>
-          <a:xfrm>
-            <a:off x="381000" y="685800"/>
-            <a:ext cx="6096000" cy="3429000"/>
-          </a:xfrm>
-          <a:custGeom>
-            <a:avLst/>
-            <a:gdLst/>
-            <a:ahLst/>
-            <a:cxnLst/>
-            <a:rect l="l" t="t" r="r" b="b"/>
-            <a:pathLst>
-              <a:path w="120000" h="120000" extrusionOk="0">
-                <a:moveTo>
-                  <a:pt x="0" y="0"/>
-                </a:moveTo>
-                <a:lnTo>
-                  <a:pt x="120000" y="0"/>
-                </a:lnTo>
-                <a:lnTo>
-                  <a:pt x="120000" y="120000"/>
-                </a:lnTo>
-                <a:lnTo>
-                  <a:pt x="0" y="120000"/>
-                </a:lnTo>
-                <a:close/>
-              </a:path>
-            </a:pathLst>
-          </a:custGeom>
-        </p:spPr>
-      </p:sp>
-      <p:sp>
-        <p:nvSpPr>
-          <p:cNvPr id="544" name="Google Shape;544;gcd8a80d6bc_0_0:notes"/>
-          <p:cNvSpPr txBox="1">
-            <a:spLocks noGrp="1"/>
-          </p:cNvSpPr>
-          <p:nvPr>
-            <p:ph type="body" idx="1"/>
-          </p:nvPr>
-        </p:nvSpPr>
-        <p:spPr>
-          <a:xfrm>
-            <a:off x="685800" y="4343400"/>
-            <a:ext cx="5486400" cy="4114800"/>
-          </a:xfrm>
-          <a:prstGeom prst="rect">
-            <a:avLst/>
-          </a:prstGeom>
-        </p:spPr>
-        <p:txBody>
-          <a:bodyPr spcFirstLastPara="1" wrap="square" lIns="91425" tIns="91425" rIns="91425" bIns="91425" anchor="t" anchorCtr="0">
-            <a:noAutofit/>
-          </a:bodyPr>
-          <a:lstStyle/>
-          <a:p>
-            <a:pPr marL="0" lvl="0" indent="0" algn="l" rtl="0">
-              <a:spcBef>
-                <a:spcPts val="0"/>
-              </a:spcBef>
-              <a:spcAft>
-                <a:spcPts val="0"/>
-              </a:spcAft>
-              <a:buNone/>
-            </a:pPr>
-            <a:endParaRPr/>
-          </a:p>
-        </p:txBody>
-      </p:sp>
-    </p:spTree>
-    <p:extLst>
-      <p:ext uri="{BB962C8B-B14F-4D97-AF65-F5344CB8AC3E}">
-        <p14:creationId xmlns:p14="http://schemas.microsoft.com/office/powerpoint/2010/main" val="3510834531"/>
-      </p:ext>
-    </p:extLst>
-  </p:cSld>
-  <p:clrMapOvr>
-    <a:masterClrMapping/>
-  </p:clrMapOvr>
-</p:notes>
-</file>
-
-<file path=ppt/notesSlides/notesSlide21.xml><?xml version="1.0" encoding="utf-8"?>
 <p:notes xmlns:a="http://schemas.openxmlformats.org/drawingml/2006/main" xmlns:r="http://schemas.openxmlformats.org/officeDocument/2006/relationships" xmlns:p="http://schemas.openxmlformats.org/presentationml/2006/main" showMasterSp="0" showMasterPhAnim="0">
   <p:cSld>
     <p:spTree>
@@ -14453,120 +14343,6 @@
         </p:nvSpPr>
         <p:spPr>
           <a:xfrm>
-            <a:off x="1264443" y="2366272"/>
-            <a:ext cx="7043737" cy="818400"/>
-          </a:xfrm>
-          <a:prstGeom prst="rect">
-            <a:avLst/>
-          </a:prstGeom>
-        </p:spPr>
-        <p:txBody>
-          <a:bodyPr spcFirstLastPara="1" wrap="square" lIns="91425" tIns="91425" rIns="91425" bIns="91425" anchor="t" anchorCtr="0">
-            <a:noAutofit/>
-          </a:bodyPr>
-          <a:lstStyle/>
-          <a:p>
-            <a:pPr marL="0" lvl="0" indent="0" algn="l" rtl="0">
-              <a:spcBef>
-                <a:spcPts val="0"/>
-              </a:spcBef>
-              <a:spcAft>
-                <a:spcPts val="0"/>
-              </a:spcAft>
-              <a:buNone/>
-            </a:pPr>
-            <a:r>
-              <a:rPr lang="vi-VN" b="1" dirty="0"/>
-              <a:t>Ưu điểm nhược điểm</a:t>
-            </a:r>
-            <a:endParaRPr b="1" dirty="0"/>
-          </a:p>
-        </p:txBody>
-      </p:sp>
-      <p:sp>
-        <p:nvSpPr>
-          <p:cNvPr id="573" name="Google Shape;573;p69"/>
-          <p:cNvSpPr txBox="1">
-            <a:spLocks noGrp="1"/>
-          </p:cNvSpPr>
-          <p:nvPr>
-            <p:ph type="title" idx="2"/>
-          </p:nvPr>
-        </p:nvSpPr>
-        <p:spPr>
-          <a:xfrm>
-            <a:off x="3746550" y="1339163"/>
-            <a:ext cx="1650900" cy="978300"/>
-          </a:xfrm>
-          <a:prstGeom prst="rect">
-            <a:avLst/>
-          </a:prstGeom>
-        </p:spPr>
-        <p:txBody>
-          <a:bodyPr spcFirstLastPara="1" wrap="square" lIns="91425" tIns="91425" rIns="91425" bIns="91425" anchor="t" anchorCtr="0">
-            <a:noAutofit/>
-          </a:bodyPr>
-          <a:lstStyle/>
-          <a:p>
-            <a:pPr marL="0" lvl="0" indent="0" algn="l" rtl="0">
-              <a:spcBef>
-                <a:spcPts val="0"/>
-              </a:spcBef>
-              <a:spcAft>
-                <a:spcPts val="0"/>
-              </a:spcAft>
-              <a:buNone/>
-            </a:pPr>
-            <a:r>
-              <a:rPr lang="vi-VN" dirty="0"/>
-              <a:t>03</a:t>
-            </a:r>
-            <a:endParaRPr dirty="0"/>
-          </a:p>
-        </p:txBody>
-      </p:sp>
-    </p:spTree>
-    <p:extLst>
-      <p:ext uri="{BB962C8B-B14F-4D97-AF65-F5344CB8AC3E}">
-        <p14:creationId xmlns:p14="http://schemas.microsoft.com/office/powerpoint/2010/main" val="3706193424"/>
-      </p:ext>
-    </p:extLst>
-  </p:cSld>
-  <p:clrMapOvr>
-    <a:masterClrMapping/>
-  </p:clrMapOvr>
-</p:sld>
-</file>
-
-<file path=ppt/slides/slide15.xml><?xml version="1.0" encoding="utf-8"?>
-<p:sld xmlns:a="http://schemas.openxmlformats.org/drawingml/2006/main" xmlns:r="http://schemas.openxmlformats.org/officeDocument/2006/relationships" xmlns:p="http://schemas.openxmlformats.org/presentationml/2006/main">
-  <p:cSld>
-    <p:spTree>
-      <p:nvGrpSpPr>
-        <p:cNvPr id="1" name="Shape 571"/>
-        <p:cNvGrpSpPr/>
-        <p:nvPr/>
-      </p:nvGrpSpPr>
-      <p:grpSpPr>
-        <a:xfrm>
-          <a:off x="0" y="0"/>
-          <a:ext cx="0" cy="0"/>
-          <a:chOff x="0" y="0"/>
-          <a:chExt cx="0" cy="0"/>
-        </a:xfrm>
-      </p:grpSpPr>
-      <p:sp>
-        <p:nvSpPr>
-          <p:cNvPr id="572" name="Google Shape;572;p69"/>
-          <p:cNvSpPr txBox="1">
-            <a:spLocks noGrp="1"/>
-          </p:cNvSpPr>
-          <p:nvPr>
-            <p:ph type="title"/>
-          </p:nvPr>
-        </p:nvSpPr>
-        <p:spPr>
-          <a:xfrm>
             <a:off x="3536155" y="2416838"/>
             <a:ext cx="7043737" cy="818400"/>
           </a:xfrm>
@@ -14652,7 +14428,7 @@
 </p:sld>
 </file>
 
-<file path=ppt/slides/slide16.xml><?xml version="1.0" encoding="utf-8"?>
+<file path=ppt/slides/slide15.xml><?xml version="1.0" encoding="utf-8"?>
 <p:sld xmlns:a="http://schemas.openxmlformats.org/drawingml/2006/main" xmlns:r="http://schemas.openxmlformats.org/officeDocument/2006/relationships" xmlns:p="http://schemas.openxmlformats.org/presentationml/2006/main">
   <p:cSld>
     <p:spTree>
@@ -14712,7 +14488,7 @@
 </p:sld>
 </file>
 
-<file path=ppt/slides/slide17.xml><?xml version="1.0" encoding="utf-8"?>
+<file path=ppt/slides/slide16.xml><?xml version="1.0" encoding="utf-8"?>
 <p:sld xmlns:a="http://schemas.openxmlformats.org/drawingml/2006/main" xmlns:r="http://schemas.openxmlformats.org/officeDocument/2006/relationships" xmlns:p="http://schemas.openxmlformats.org/presentationml/2006/main">
   <p:cSld>
     <p:spTree>
@@ -14772,7 +14548,7 @@
 </p:sld>
 </file>
 
-<file path=ppt/slides/slide18.xml><?xml version="1.0" encoding="utf-8"?>
+<file path=ppt/slides/slide17.xml><?xml version="1.0" encoding="utf-8"?>
 <p:sld xmlns:a="http://schemas.openxmlformats.org/drawingml/2006/main" xmlns:r="http://schemas.openxmlformats.org/officeDocument/2006/relationships" xmlns:p="http://schemas.openxmlformats.org/presentationml/2006/main">
   <p:cSld>
     <p:spTree>
@@ -14832,7 +14608,7 @@
 </p:sld>
 </file>
 
-<file path=ppt/slides/slide19.xml><?xml version="1.0" encoding="utf-8"?>
+<file path=ppt/slides/slide18.xml><?xml version="1.0" encoding="utf-8"?>
 <p:sld xmlns:a="http://schemas.openxmlformats.org/drawingml/2006/main" xmlns:r="http://schemas.openxmlformats.org/officeDocument/2006/relationships" xmlns:p="http://schemas.openxmlformats.org/presentationml/2006/main">
   <p:cSld>
     <p:spTree>
@@ -14883,6 +14659,66 @@
     <p:extLst>
       <p:ext uri="{BB962C8B-B14F-4D97-AF65-F5344CB8AC3E}">
         <p14:creationId xmlns:p14="http://schemas.microsoft.com/office/powerpoint/2010/main" val="916744693"/>
+      </p:ext>
+    </p:extLst>
+  </p:cSld>
+  <p:clrMapOvr>
+    <a:masterClrMapping/>
+  </p:clrMapOvr>
+</p:sld>
+</file>
+
+<file path=ppt/slides/slide19.xml><?xml version="1.0" encoding="utf-8"?>
+<p:sld xmlns:a="http://schemas.openxmlformats.org/drawingml/2006/main" xmlns:r="http://schemas.openxmlformats.org/officeDocument/2006/relationships" xmlns:p="http://schemas.openxmlformats.org/presentationml/2006/main">
+  <p:cSld>
+    <p:spTree>
+      <p:nvGrpSpPr>
+        <p:cNvPr id="1" name="Shape 545"/>
+        <p:cNvGrpSpPr/>
+        <p:nvPr/>
+      </p:nvGrpSpPr>
+      <p:grpSpPr>
+        <a:xfrm>
+          <a:off x="0" y="0"/>
+          <a:ext cx="0" cy="0"/>
+          <a:chOff x="0" y="0"/>
+          <a:chExt cx="0" cy="0"/>
+        </a:xfrm>
+      </p:grpSpPr>
+      <p:pic>
+        <p:nvPicPr>
+          <p:cNvPr id="4" name="Picture 3">
+            <a:extLst>
+              <a:ext uri="{FF2B5EF4-FFF2-40B4-BE49-F238E27FC236}">
+                <a16:creationId xmlns:a16="http://schemas.microsoft.com/office/drawing/2014/main" id="{F6E802CD-4178-C90A-7550-8E4E79E096C4}"/>
+              </a:ext>
+            </a:extLst>
+          </p:cNvPr>
+          <p:cNvPicPr>
+            <a:picLocks noChangeAspect="1"/>
+          </p:cNvPicPr>
+          <p:nvPr/>
+        </p:nvPicPr>
+        <p:blipFill>
+          <a:blip r:embed="rId3"/>
+          <a:stretch>
+            <a:fillRect/>
+          </a:stretch>
+        </p:blipFill>
+        <p:spPr>
+          <a:xfrm>
+            <a:off x="0" y="1100137"/>
+            <a:ext cx="9144000" cy="2943225"/>
+          </a:xfrm>
+          <a:prstGeom prst="rect">
+            <a:avLst/>
+          </a:prstGeom>
+        </p:spPr>
+      </p:pic>
+    </p:spTree>
+    <p:extLst>
+      <p:ext uri="{BB962C8B-B14F-4D97-AF65-F5344CB8AC3E}">
+        <p14:creationId xmlns:p14="http://schemas.microsoft.com/office/powerpoint/2010/main" val="2159970764"/>
       </p:ext>
     </p:extLst>
   </p:cSld>
@@ -15812,66 +15648,6 @@
 </file>
 
 <file path=ppt/slides/slide20.xml><?xml version="1.0" encoding="utf-8"?>
-<p:sld xmlns:a="http://schemas.openxmlformats.org/drawingml/2006/main" xmlns:r="http://schemas.openxmlformats.org/officeDocument/2006/relationships" xmlns:p="http://schemas.openxmlformats.org/presentationml/2006/main">
-  <p:cSld>
-    <p:spTree>
-      <p:nvGrpSpPr>
-        <p:cNvPr id="1" name="Shape 545"/>
-        <p:cNvGrpSpPr/>
-        <p:nvPr/>
-      </p:nvGrpSpPr>
-      <p:grpSpPr>
-        <a:xfrm>
-          <a:off x="0" y="0"/>
-          <a:ext cx="0" cy="0"/>
-          <a:chOff x="0" y="0"/>
-          <a:chExt cx="0" cy="0"/>
-        </a:xfrm>
-      </p:grpSpPr>
-      <p:pic>
-        <p:nvPicPr>
-          <p:cNvPr id="4" name="Picture 3">
-            <a:extLst>
-              <a:ext uri="{FF2B5EF4-FFF2-40B4-BE49-F238E27FC236}">
-                <a16:creationId xmlns:a16="http://schemas.microsoft.com/office/drawing/2014/main" id="{F6E802CD-4178-C90A-7550-8E4E79E096C4}"/>
-              </a:ext>
-            </a:extLst>
-          </p:cNvPr>
-          <p:cNvPicPr>
-            <a:picLocks noChangeAspect="1"/>
-          </p:cNvPicPr>
-          <p:nvPr/>
-        </p:nvPicPr>
-        <p:blipFill>
-          <a:blip r:embed="rId3"/>
-          <a:stretch>
-            <a:fillRect/>
-          </a:stretch>
-        </p:blipFill>
-        <p:spPr>
-          <a:xfrm>
-            <a:off x="0" y="1100137"/>
-            <a:ext cx="9144000" cy="2943225"/>
-          </a:xfrm>
-          <a:prstGeom prst="rect">
-            <a:avLst/>
-          </a:prstGeom>
-        </p:spPr>
-      </p:pic>
-    </p:spTree>
-    <p:extLst>
-      <p:ext uri="{BB962C8B-B14F-4D97-AF65-F5344CB8AC3E}">
-        <p14:creationId xmlns:p14="http://schemas.microsoft.com/office/powerpoint/2010/main" val="2159970764"/>
-      </p:ext>
-    </p:extLst>
-  </p:cSld>
-  <p:clrMapOvr>
-    <a:masterClrMapping/>
-  </p:clrMapOvr>
-</p:sld>
-</file>
-
-<file path=ppt/slides/slide21.xml><?xml version="1.0" encoding="utf-8"?>
 <p:sld xmlns:a="http://schemas.openxmlformats.org/drawingml/2006/main" xmlns:r="http://schemas.openxmlformats.org/officeDocument/2006/relationships" xmlns:p="http://schemas.openxmlformats.org/presentationml/2006/main">
   <p:cSld>
     <p:spTree>
@@ -17979,7 +17755,7 @@
         <p:spPr>
           <a:xfrm>
             <a:off x="146446" y="1598759"/>
-            <a:ext cx="6404372" cy="3170099"/>
+            <a:ext cx="6404372" cy="2862322"/>
           </a:xfrm>
           <a:prstGeom prst="rect">
             <a:avLst/>
@@ -18042,7 +17818,7 @@
             </a:r>
             <a:r>
               <a:rPr lang="vi-VN" sz="2000" dirty="0"/>
-              <a:t> hình thức và không giống như nhiều ngôn ngữ lập trình khác , </a:t>
+              <a:t> hình thức </a:t>
             </a:r>
             <a:r>
               <a:rPr lang="vi-VN" sz="2000" dirty="0" err="1"/>
